--- a/Dokumentasi/rev/Revisi 4a.pptx
+++ b/Dokumentasi/rev/Revisi 4a.pptx
@@ -315,7 +315,7 @@
           <a:p>
             <a:fld id="{DFB6E08B-9567-4C8C-BE48-E19404939A22}" type="datetimeFigureOut">
               <a:rPr lang="en-US" smtClean="0"/>
-              <a:t>5/2/2019</a:t>
+              <a:t>5/6/2019</a:t>
             </a:fld>
             <a:endParaRPr lang="en-US"/>
           </a:p>
@@ -483,7 +483,7 @@
           <a:p>
             <a:fld id="{DFB6E08B-9567-4C8C-BE48-E19404939A22}" type="datetimeFigureOut">
               <a:rPr lang="en-US" smtClean="0"/>
-              <a:t>5/2/2019</a:t>
+              <a:t>5/6/2019</a:t>
             </a:fld>
             <a:endParaRPr lang="en-US"/>
           </a:p>
@@ -661,7 +661,7 @@
           <a:p>
             <a:fld id="{DFB6E08B-9567-4C8C-BE48-E19404939A22}" type="datetimeFigureOut">
               <a:rPr lang="en-US" smtClean="0"/>
-              <a:t>5/2/2019</a:t>
+              <a:t>5/6/2019</a:t>
             </a:fld>
             <a:endParaRPr lang="en-US"/>
           </a:p>
@@ -829,7 +829,7 @@
           <a:p>
             <a:fld id="{DFB6E08B-9567-4C8C-BE48-E19404939A22}" type="datetimeFigureOut">
               <a:rPr lang="en-US" smtClean="0"/>
-              <a:t>5/2/2019</a:t>
+              <a:t>5/6/2019</a:t>
             </a:fld>
             <a:endParaRPr lang="en-US"/>
           </a:p>
@@ -1074,7 +1074,7 @@
           <a:p>
             <a:fld id="{DFB6E08B-9567-4C8C-BE48-E19404939A22}" type="datetimeFigureOut">
               <a:rPr lang="en-US" smtClean="0"/>
-              <a:t>5/2/2019</a:t>
+              <a:t>5/6/2019</a:t>
             </a:fld>
             <a:endParaRPr lang="en-US"/>
           </a:p>
@@ -1359,7 +1359,7 @@
           <a:p>
             <a:fld id="{DFB6E08B-9567-4C8C-BE48-E19404939A22}" type="datetimeFigureOut">
               <a:rPr lang="en-US" smtClean="0"/>
-              <a:t>5/2/2019</a:t>
+              <a:t>5/6/2019</a:t>
             </a:fld>
             <a:endParaRPr lang="en-US"/>
           </a:p>
@@ -1778,7 +1778,7 @@
           <a:p>
             <a:fld id="{DFB6E08B-9567-4C8C-BE48-E19404939A22}" type="datetimeFigureOut">
               <a:rPr lang="en-US" smtClean="0"/>
-              <a:t>5/2/2019</a:t>
+              <a:t>5/6/2019</a:t>
             </a:fld>
             <a:endParaRPr lang="en-US"/>
           </a:p>
@@ -1895,7 +1895,7 @@
           <a:p>
             <a:fld id="{DFB6E08B-9567-4C8C-BE48-E19404939A22}" type="datetimeFigureOut">
               <a:rPr lang="en-US" smtClean="0"/>
-              <a:t>5/2/2019</a:t>
+              <a:t>5/6/2019</a:t>
             </a:fld>
             <a:endParaRPr lang="en-US"/>
           </a:p>
@@ -1990,7 +1990,7 @@
           <a:p>
             <a:fld id="{DFB6E08B-9567-4C8C-BE48-E19404939A22}" type="datetimeFigureOut">
               <a:rPr lang="en-US" smtClean="0"/>
-              <a:t>5/2/2019</a:t>
+              <a:t>5/6/2019</a:t>
             </a:fld>
             <a:endParaRPr lang="en-US"/>
           </a:p>
@@ -2265,7 +2265,7 @@
           <a:p>
             <a:fld id="{DFB6E08B-9567-4C8C-BE48-E19404939A22}" type="datetimeFigureOut">
               <a:rPr lang="en-US" smtClean="0"/>
-              <a:t>5/2/2019</a:t>
+              <a:t>5/6/2019</a:t>
             </a:fld>
             <a:endParaRPr lang="en-US"/>
           </a:p>
@@ -2517,7 +2517,7 @@
           <a:p>
             <a:fld id="{DFB6E08B-9567-4C8C-BE48-E19404939A22}" type="datetimeFigureOut">
               <a:rPr lang="en-US" smtClean="0"/>
-              <a:t>5/2/2019</a:t>
+              <a:t>5/6/2019</a:t>
             </a:fld>
             <a:endParaRPr lang="en-US"/>
           </a:p>
@@ -2728,7 +2728,7 @@
           <a:p>
             <a:fld id="{DFB6E08B-9567-4C8C-BE48-E19404939A22}" type="datetimeFigureOut">
               <a:rPr lang="en-US" smtClean="0"/>
-              <a:t>5/2/2019</a:t>
+              <a:t>5/6/2019</a:t>
             </a:fld>
             <a:endParaRPr lang="en-US"/>
           </a:p>
@@ -4621,107 +4621,211 @@
           <a:lstStyle/>
           <a:p>
             <a:r>
-              <a:rPr lang="en-US" dirty="0"/>
+              <a:rPr lang="en-US" dirty="0">
+                <a:solidFill>
+                  <a:srgbClr val="00B050"/>
+                </a:solidFill>
+              </a:rPr>
               <a:t>Admin TU </a:t>
             </a:r>
             <a:r>
-              <a:rPr lang="en-US" dirty="0" err="1"/>
+              <a:rPr lang="en-US" dirty="0" err="1">
+                <a:solidFill>
+                  <a:srgbClr val="00B050"/>
+                </a:solidFill>
+              </a:rPr>
               <a:t>dapat</a:t>
             </a:r>
             <a:r>
-              <a:rPr lang="en-US" dirty="0"/>
-              <a:t> </a:t>
-            </a:r>
-            <a:r>
-              <a:rPr lang="en-US" dirty="0" err="1"/>
+              <a:rPr lang="en-US" dirty="0">
+                <a:solidFill>
+                  <a:srgbClr val="00B050"/>
+                </a:solidFill>
+              </a:rPr>
+              <a:t> </a:t>
+            </a:r>
+            <a:r>
+              <a:rPr lang="en-US" dirty="0" err="1">
+                <a:solidFill>
+                  <a:srgbClr val="00B050"/>
+                </a:solidFill>
+              </a:rPr>
               <a:t>membuka</a:t>
             </a:r>
             <a:r>
-              <a:rPr lang="en-US" dirty="0"/>
-              <a:t> </a:t>
-            </a:r>
-            <a:r>
-              <a:rPr lang="en-US" dirty="0" err="1"/>
+              <a:rPr lang="en-US" dirty="0">
+                <a:solidFill>
+                  <a:srgbClr val="00B050"/>
+                </a:solidFill>
+              </a:rPr>
+              <a:t> </a:t>
+            </a:r>
+            <a:r>
+              <a:rPr lang="en-US" dirty="0" err="1">
+                <a:solidFill>
+                  <a:srgbClr val="00B050"/>
+                </a:solidFill>
+              </a:rPr>
               <a:t>semua</a:t>
             </a:r>
             <a:r>
-              <a:rPr lang="en-US" dirty="0"/>
+              <a:rPr lang="en-US" dirty="0">
+                <a:solidFill>
+                  <a:srgbClr val="00B050"/>
+                </a:solidFill>
+              </a:rPr>
               <a:t> MT </a:t>
             </a:r>
             <a:r>
-              <a:rPr lang="en-US" dirty="0" err="1"/>
+              <a:rPr lang="en-US" dirty="0" err="1">
+                <a:solidFill>
+                  <a:srgbClr val="00B050"/>
+                </a:solidFill>
+              </a:rPr>
               <a:t>dan</a:t>
             </a:r>
             <a:r>
-              <a:rPr lang="en-US" dirty="0"/>
-              <a:t> </a:t>
-            </a:r>
-            <a:r>
-              <a:rPr lang="en-US" dirty="0" err="1"/>
+              <a:rPr lang="en-US" dirty="0">
+                <a:solidFill>
+                  <a:srgbClr val="00B050"/>
+                </a:solidFill>
+              </a:rPr>
+              <a:t> </a:t>
+            </a:r>
+            <a:r>
+              <a:rPr lang="en-US" dirty="0" err="1">
+                <a:solidFill>
+                  <a:srgbClr val="00B050"/>
+                </a:solidFill>
+              </a:rPr>
               <a:t>sertifikat</a:t>
             </a:r>
             <a:r>
-              <a:rPr lang="en-US" dirty="0"/>
+              <a:rPr lang="en-US" dirty="0">
+                <a:solidFill>
+                  <a:srgbClr val="00B050"/>
+                </a:solidFill>
+              </a:rPr>
               <a:t>, </a:t>
             </a:r>
             <a:r>
-              <a:rPr lang="en-US" dirty="0" err="1"/>
+              <a:rPr lang="en-US" dirty="0" err="1">
+                <a:solidFill>
+                  <a:srgbClr val="00B050"/>
+                </a:solidFill>
+              </a:rPr>
               <a:t>namun</a:t>
             </a:r>
             <a:r>
-              <a:rPr lang="en-US" dirty="0"/>
-              <a:t> </a:t>
-            </a:r>
-            <a:r>
-              <a:rPr lang="en-US" dirty="0" err="1"/>
+              <a:rPr lang="en-US" dirty="0">
+                <a:solidFill>
+                  <a:srgbClr val="00B050"/>
+                </a:solidFill>
+              </a:rPr>
+              <a:t> </a:t>
+            </a:r>
+            <a:r>
+              <a:rPr lang="en-US" dirty="0" err="1">
+                <a:solidFill>
+                  <a:srgbClr val="00B050"/>
+                </a:solidFill>
+              </a:rPr>
               <a:t>interaksinya</a:t>
             </a:r>
             <a:r>
-              <a:rPr lang="en-US" dirty="0"/>
-              <a:t> </a:t>
-            </a:r>
-            <a:r>
-              <a:rPr lang="en-US" dirty="0" err="1"/>
+              <a:rPr lang="en-US" dirty="0">
+                <a:solidFill>
+                  <a:srgbClr val="00B050"/>
+                </a:solidFill>
+              </a:rPr>
+              <a:t> </a:t>
+            </a:r>
+            <a:r>
+              <a:rPr lang="en-US" dirty="0" err="1">
+                <a:solidFill>
+                  <a:srgbClr val="00B050"/>
+                </a:solidFill>
+              </a:rPr>
               <a:t>hanya</a:t>
             </a:r>
             <a:r>
-              <a:rPr lang="en-US" dirty="0"/>
-              <a:t> </a:t>
-            </a:r>
-            <a:r>
-              <a:rPr lang="en-US" dirty="0" err="1"/>
+              <a:rPr lang="en-US" dirty="0">
+                <a:solidFill>
+                  <a:srgbClr val="00B050"/>
+                </a:solidFill>
+              </a:rPr>
+              <a:t> </a:t>
+            </a:r>
+            <a:r>
+              <a:rPr lang="en-US" dirty="0" err="1">
+                <a:solidFill>
+                  <a:srgbClr val="00B050"/>
+                </a:solidFill>
+              </a:rPr>
               <a:t>ada</a:t>
             </a:r>
             <a:r>
-              <a:rPr lang="en-US" dirty="0"/>
+              <a:rPr lang="en-US" dirty="0">
+                <a:solidFill>
+                  <a:srgbClr val="00B050"/>
+                </a:solidFill>
+              </a:rPr>
               <a:t> di </a:t>
             </a:r>
             <a:r>
-              <a:rPr lang="en-US" dirty="0" err="1"/>
+              <a:rPr lang="en-US" dirty="0" err="1">
+                <a:solidFill>
+                  <a:srgbClr val="00B050"/>
+                </a:solidFill>
+              </a:rPr>
               <a:t>sertifikat</a:t>
             </a:r>
             <a:r>
-              <a:rPr lang="en-US" dirty="0"/>
+              <a:rPr lang="en-US" dirty="0">
+                <a:solidFill>
+                  <a:srgbClr val="00B050"/>
+                </a:solidFill>
+              </a:rPr>
               <a:t> (</a:t>
             </a:r>
             <a:r>
-              <a:rPr lang="en-US" dirty="0" err="1"/>
+              <a:rPr lang="en-US" dirty="0" err="1">
+                <a:solidFill>
+                  <a:srgbClr val="00B050"/>
+                </a:solidFill>
+              </a:rPr>
               <a:t>yaitu</a:t>
             </a:r>
             <a:r>
-              <a:rPr lang="en-US" dirty="0"/>
-              <a:t> </a:t>
-            </a:r>
-            <a:r>
-              <a:rPr lang="en-US" dirty="0" err="1"/>
+              <a:rPr lang="en-US" dirty="0">
+                <a:solidFill>
+                  <a:srgbClr val="00B050"/>
+                </a:solidFill>
+              </a:rPr>
+              <a:t> </a:t>
+            </a:r>
+            <a:r>
+              <a:rPr lang="en-US" dirty="0" err="1">
+                <a:solidFill>
+                  <a:srgbClr val="00B050"/>
+                </a:solidFill>
+              </a:rPr>
               <a:t>hanya</a:t>
             </a:r>
             <a:r>
-              <a:rPr lang="en-US" dirty="0"/>
+              <a:rPr lang="en-US" dirty="0">
+                <a:solidFill>
+                  <a:srgbClr val="00B050"/>
+                </a:solidFill>
+              </a:rPr>
               <a:t> approval </a:t>
             </a:r>
             <a:r>
-              <a:rPr lang="en-US" dirty="0" err="1"/>
+              <a:rPr lang="en-US" dirty="0" err="1">
+                <a:solidFill>
+                  <a:srgbClr val="00B050"/>
+                </a:solidFill>
+              </a:rPr>
               <a:t>sertifikat</a:t>
             </a:r>
             <a:r>
@@ -6997,15 +7101,27 @@
           <a:lstStyle/>
           <a:p>
             <a:r>
-              <a:rPr lang="en-US" dirty="0"/>
+              <a:rPr lang="en-US" dirty="0">
+                <a:solidFill>
+                  <a:srgbClr val="00B050"/>
+                </a:solidFill>
+              </a:rPr>
               <a:t>Ada approval </a:t>
             </a:r>
             <a:r>
-              <a:rPr lang="en-US" dirty="0" err="1"/>
+              <a:rPr lang="en-US" dirty="0" err="1">
+                <a:solidFill>
+                  <a:srgbClr val="00B050"/>
+                </a:solidFill>
+              </a:rPr>
               <a:t>dari</a:t>
             </a:r>
             <a:r>
-              <a:rPr lang="en-US" dirty="0"/>
+              <a:rPr lang="en-US" dirty="0">
+                <a:solidFill>
+                  <a:srgbClr val="00B050"/>
+                </a:solidFill>
+              </a:rPr>
               <a:t> Admin lab</a:t>
             </a:r>
           </a:p>
@@ -7079,43 +7195,83 @@
           <a:lstStyle/>
           <a:p>
             <a:r>
-              <a:rPr lang="en-US" dirty="0" err="1"/>
+              <a:rPr lang="en-US" dirty="0" err="1">
+                <a:solidFill>
+                  <a:srgbClr val="00B050"/>
+                </a:solidFill>
+              </a:rPr>
               <a:t>Kolom</a:t>
             </a:r>
             <a:r>
-              <a:rPr lang="en-US" dirty="0"/>
-              <a:t> </a:t>
-            </a:r>
-            <a:r>
-              <a:rPr lang="en-US" dirty="0" err="1"/>
+              <a:rPr lang="en-US" dirty="0">
+                <a:solidFill>
+                  <a:srgbClr val="00B050"/>
+                </a:solidFill>
+              </a:rPr>
+              <a:t> </a:t>
+            </a:r>
+            <a:r>
+              <a:rPr lang="en-US" dirty="0" err="1">
+                <a:solidFill>
+                  <a:srgbClr val="00B050"/>
+                </a:solidFill>
+              </a:rPr>
               <a:t>pada</a:t>
             </a:r>
             <a:r>
-              <a:rPr lang="en-US" dirty="0"/>
-              <a:t> </a:t>
-            </a:r>
-            <a:r>
-              <a:rPr lang="en-US" dirty="0" err="1"/>
+              <a:rPr lang="en-US" dirty="0">
+                <a:solidFill>
+                  <a:srgbClr val="00B050"/>
+                </a:solidFill>
+              </a:rPr>
+              <a:t> </a:t>
+            </a:r>
+            <a:r>
+              <a:rPr lang="en-US" dirty="0" err="1">
+                <a:solidFill>
+                  <a:srgbClr val="00B050"/>
+                </a:solidFill>
+              </a:rPr>
               <a:t>tabel</a:t>
             </a:r>
             <a:r>
-              <a:rPr lang="en-US" dirty="0"/>
-              <a:t> </a:t>
-            </a:r>
-            <a:r>
-              <a:rPr lang="en-US" dirty="0" err="1"/>
+              <a:rPr lang="en-US" dirty="0">
+                <a:solidFill>
+                  <a:srgbClr val="00B050"/>
+                </a:solidFill>
+              </a:rPr>
+              <a:t> </a:t>
+            </a:r>
+            <a:r>
+              <a:rPr lang="en-US" dirty="0" err="1">
+                <a:solidFill>
+                  <a:srgbClr val="00B050"/>
+                </a:solidFill>
+              </a:rPr>
               <a:t>tambahkan</a:t>
             </a:r>
             <a:r>
-              <a:rPr lang="en-US" dirty="0"/>
-              <a:t> </a:t>
-            </a:r>
-            <a:r>
-              <a:rPr lang="en-US" dirty="0" err="1"/>
+              <a:rPr lang="en-US" dirty="0">
+                <a:solidFill>
+                  <a:srgbClr val="00B050"/>
+                </a:solidFill>
+              </a:rPr>
+              <a:t> </a:t>
+            </a:r>
+            <a:r>
+              <a:rPr lang="en-US" dirty="0" err="1">
+                <a:solidFill>
+                  <a:srgbClr val="00B050"/>
+                </a:solidFill>
+              </a:rPr>
               <a:t>kolom</a:t>
             </a:r>
             <a:r>
-              <a:rPr lang="en-US" dirty="0"/>
+              <a:rPr lang="en-US" dirty="0">
+                <a:solidFill>
+                  <a:srgbClr val="00B050"/>
+                </a:solidFill>
+              </a:rPr>
               <a:t> remark</a:t>
             </a:r>
           </a:p>
@@ -7187,262 +7343,546 @@
         <p:spPr/>
         <p:txBody>
           <a:bodyPr>
-            <a:normAutofit lnSpcReduction="10000"/>
+            <a:normAutofit fontScale="92500"/>
           </a:bodyPr>
           <a:lstStyle/>
           <a:p>
             <a:r>
+              <a:rPr lang="en-US" dirty="0">
+                <a:solidFill>
+                  <a:srgbClr val="00B050"/>
+                </a:solidFill>
+              </a:rPr>
+              <a:t>Yang </a:t>
+            </a:r>
+            <a:r>
+              <a:rPr lang="en-US" dirty="0" err="1">
+                <a:solidFill>
+                  <a:srgbClr val="00B050"/>
+                </a:solidFill>
+              </a:rPr>
+              <a:t>membuat</a:t>
+            </a:r>
+            <a:r>
+              <a:rPr lang="en-US" dirty="0">
+                <a:solidFill>
+                  <a:srgbClr val="00B050"/>
+                </a:solidFill>
+              </a:rPr>
+              <a:t> </a:t>
+            </a:r>
+            <a:r>
+              <a:rPr lang="en-US" dirty="0" err="1">
+                <a:solidFill>
+                  <a:srgbClr val="00B050"/>
+                </a:solidFill>
+              </a:rPr>
+              <a:t>sertifikat</a:t>
+            </a:r>
+            <a:r>
+              <a:rPr lang="en-US" dirty="0">
+                <a:solidFill>
+                  <a:srgbClr val="00B050"/>
+                </a:solidFill>
+              </a:rPr>
+              <a:t> </a:t>
+            </a:r>
+            <a:r>
+              <a:rPr lang="en-US" dirty="0" err="1">
+                <a:solidFill>
+                  <a:srgbClr val="00B050"/>
+                </a:solidFill>
+              </a:rPr>
+              <a:t>adalah</a:t>
+            </a:r>
+            <a:r>
+              <a:rPr lang="en-US" dirty="0">
+                <a:solidFill>
+                  <a:srgbClr val="00B050"/>
+                </a:solidFill>
+              </a:rPr>
+              <a:t> admin </a:t>
+            </a:r>
+            <a:r>
+              <a:rPr lang="en-US" dirty="0" err="1">
+                <a:solidFill>
+                  <a:srgbClr val="00B050"/>
+                </a:solidFill>
+              </a:rPr>
+              <a:t>sphu</a:t>
+            </a:r>
+            <a:r>
+              <a:rPr lang="en-US" dirty="0">
+                <a:solidFill>
+                  <a:srgbClr val="00B050"/>
+                </a:solidFill>
+              </a:rPr>
+              <a:t> </a:t>
+            </a:r>
+            <a:r>
+              <a:rPr lang="en-US" dirty="0" err="1">
+                <a:solidFill>
+                  <a:srgbClr val="00B050"/>
+                </a:solidFill>
+              </a:rPr>
+              <a:t>setelah</a:t>
+            </a:r>
+            <a:r>
+              <a:rPr lang="en-US" dirty="0">
+                <a:solidFill>
+                  <a:srgbClr val="00B050"/>
+                </a:solidFill>
+              </a:rPr>
+              <a:t> mt08a, mt08b, </a:t>
+            </a:r>
+            <a:r>
+              <a:rPr lang="en-US" dirty="0" err="1">
+                <a:solidFill>
+                  <a:srgbClr val="00B050"/>
+                </a:solidFill>
+              </a:rPr>
+              <a:t>dan</a:t>
+            </a:r>
+            <a:r>
+              <a:rPr lang="en-US" dirty="0">
+                <a:solidFill>
+                  <a:srgbClr val="00B050"/>
+                </a:solidFill>
+              </a:rPr>
+              <a:t> </a:t>
+            </a:r>
+            <a:r>
+              <a:rPr lang="en-US" dirty="0" err="1">
+                <a:solidFill>
+                  <a:srgbClr val="00B050"/>
+                </a:solidFill>
+              </a:rPr>
+              <a:t>atau</a:t>
+            </a:r>
+            <a:r>
+              <a:rPr lang="en-US" dirty="0">
+                <a:solidFill>
+                  <a:srgbClr val="00B050"/>
+                </a:solidFill>
+              </a:rPr>
+              <a:t> mt09 </a:t>
+            </a:r>
+            <a:r>
+              <a:rPr lang="en-US" dirty="0" err="1">
+                <a:solidFill>
+                  <a:srgbClr val="00B050"/>
+                </a:solidFill>
+              </a:rPr>
+              <a:t>diapprove</a:t>
+            </a:r>
+            <a:endParaRPr lang="en-US" dirty="0">
+              <a:solidFill>
+                <a:srgbClr val="00B050"/>
+              </a:solidFill>
+            </a:endParaRPr>
+          </a:p>
+          <a:p>
+            <a:r>
+              <a:rPr lang="en-US" dirty="0">
+                <a:solidFill>
+                  <a:srgbClr val="00B050"/>
+                </a:solidFill>
+              </a:rPr>
+              <a:t>Ada </a:t>
+            </a:r>
+            <a:r>
+              <a:rPr lang="en-US" dirty="0" err="1">
+                <a:solidFill>
+                  <a:srgbClr val="00B050"/>
+                </a:solidFill>
+              </a:rPr>
+              <a:t>beberapa</a:t>
+            </a:r>
+            <a:r>
+              <a:rPr lang="en-US" dirty="0">
+                <a:solidFill>
+                  <a:srgbClr val="00B050"/>
+                </a:solidFill>
+              </a:rPr>
+              <a:t> field </a:t>
+            </a:r>
+            <a:r>
+              <a:rPr lang="en-US" dirty="0" err="1">
+                <a:solidFill>
+                  <a:srgbClr val="00B050"/>
+                </a:solidFill>
+              </a:rPr>
+              <a:t>yg</a:t>
+            </a:r>
+            <a:r>
+              <a:rPr lang="en-US" dirty="0">
+                <a:solidFill>
+                  <a:srgbClr val="00B050"/>
+                </a:solidFill>
+              </a:rPr>
+              <a:t> </a:t>
+            </a:r>
+            <a:r>
+              <a:rPr lang="en-US" dirty="0" err="1">
+                <a:solidFill>
+                  <a:srgbClr val="00B050"/>
+                </a:solidFill>
+              </a:rPr>
+              <a:t>salah</a:t>
+            </a:r>
+            <a:r>
+              <a:rPr lang="en-US" dirty="0">
+                <a:solidFill>
+                  <a:srgbClr val="00B050"/>
+                </a:solidFill>
+              </a:rPr>
+              <a:t> </a:t>
+            </a:r>
+            <a:r>
+              <a:rPr lang="en-US" dirty="0" err="1">
+                <a:solidFill>
+                  <a:srgbClr val="00B050"/>
+                </a:solidFill>
+              </a:rPr>
+              <a:t>pembacaannya</a:t>
+            </a:r>
+            <a:r>
+              <a:rPr lang="en-US" dirty="0">
+                <a:solidFill>
+                  <a:srgbClr val="00B050"/>
+                </a:solidFill>
+              </a:rPr>
+              <a:t> </a:t>
+            </a:r>
+            <a:r>
+              <a:rPr lang="en-US" dirty="0" err="1">
+                <a:solidFill>
+                  <a:srgbClr val="00B050"/>
+                </a:solidFill>
+              </a:rPr>
+              <a:t>pada</a:t>
+            </a:r>
+            <a:r>
+              <a:rPr lang="en-US" dirty="0">
+                <a:solidFill>
+                  <a:srgbClr val="00B050"/>
+                </a:solidFill>
+              </a:rPr>
+              <a:t> print </a:t>
+            </a:r>
+            <a:r>
+              <a:rPr lang="en-US" dirty="0" err="1">
+                <a:solidFill>
+                  <a:srgbClr val="00B050"/>
+                </a:solidFill>
+              </a:rPr>
+              <a:t>sertifikat</a:t>
+            </a:r>
+            <a:r>
+              <a:rPr lang="en-US" dirty="0">
+                <a:solidFill>
+                  <a:srgbClr val="00B050"/>
+                </a:solidFill>
+              </a:rPr>
+              <a:t> </a:t>
+            </a:r>
+            <a:r>
+              <a:rPr lang="en-US" dirty="0" err="1">
+                <a:solidFill>
+                  <a:srgbClr val="00B050"/>
+                </a:solidFill>
+              </a:rPr>
+              <a:t>sebelum</a:t>
+            </a:r>
+            <a:r>
+              <a:rPr lang="en-US" dirty="0">
+                <a:solidFill>
+                  <a:srgbClr val="00B050"/>
+                </a:solidFill>
+              </a:rPr>
+              <a:t> update </a:t>
+            </a:r>
+            <a:r>
+              <a:rPr lang="en-US" dirty="0" err="1">
+                <a:solidFill>
+                  <a:srgbClr val="00B050"/>
+                </a:solidFill>
+              </a:rPr>
+              <a:t>namun</a:t>
+            </a:r>
+            <a:r>
+              <a:rPr lang="en-US" dirty="0">
+                <a:solidFill>
+                  <a:srgbClr val="00B050"/>
+                </a:solidFill>
+              </a:rPr>
+              <a:t> g </a:t>
+            </a:r>
+            <a:r>
+              <a:rPr lang="en-US" dirty="0" err="1">
+                <a:solidFill>
+                  <a:srgbClr val="00B050"/>
+                </a:solidFill>
+              </a:rPr>
+              <a:t>bisa</a:t>
+            </a:r>
+            <a:r>
+              <a:rPr lang="en-US" dirty="0">
+                <a:solidFill>
+                  <a:srgbClr val="00B050"/>
+                </a:solidFill>
+              </a:rPr>
+              <a:t> </a:t>
+            </a:r>
+            <a:r>
+              <a:rPr lang="en-US" dirty="0" err="1">
+                <a:solidFill>
+                  <a:srgbClr val="00B050"/>
+                </a:solidFill>
+              </a:rPr>
+              <a:t>dilihat</a:t>
+            </a:r>
+            <a:r>
+              <a:rPr lang="en-US" dirty="0">
+                <a:solidFill>
+                  <a:srgbClr val="00B050"/>
+                </a:solidFill>
+              </a:rPr>
+              <a:t> </a:t>
+            </a:r>
+            <a:r>
+              <a:rPr lang="en-US" dirty="0" err="1">
+                <a:solidFill>
+                  <a:srgbClr val="00B050"/>
+                </a:solidFill>
+              </a:rPr>
+              <a:t>sudah</a:t>
+            </a:r>
+            <a:r>
+              <a:rPr lang="en-US" dirty="0">
+                <a:solidFill>
+                  <a:srgbClr val="00B050"/>
+                </a:solidFill>
+              </a:rPr>
+              <a:t> </a:t>
+            </a:r>
+            <a:r>
+              <a:rPr lang="en-US" dirty="0" err="1">
+                <a:solidFill>
+                  <a:srgbClr val="00B050"/>
+                </a:solidFill>
+              </a:rPr>
+              <a:t>benar</a:t>
+            </a:r>
+            <a:r>
+              <a:rPr lang="en-US" dirty="0">
+                <a:solidFill>
+                  <a:srgbClr val="00B050"/>
+                </a:solidFill>
+              </a:rPr>
+              <a:t> </a:t>
+            </a:r>
+            <a:r>
+              <a:rPr lang="en-US" dirty="0" err="1">
+                <a:solidFill>
+                  <a:srgbClr val="00B050"/>
+                </a:solidFill>
+              </a:rPr>
+              <a:t>atau</a:t>
+            </a:r>
+            <a:r>
+              <a:rPr lang="en-US" dirty="0">
+                <a:solidFill>
+                  <a:srgbClr val="00B050"/>
+                </a:solidFill>
+              </a:rPr>
+              <a:t> </a:t>
+            </a:r>
+            <a:r>
+              <a:rPr lang="en-US" dirty="0" err="1">
+                <a:solidFill>
+                  <a:srgbClr val="00B050"/>
+                </a:solidFill>
+              </a:rPr>
+              <a:t>belum</a:t>
+            </a:r>
+            <a:r>
+              <a:rPr lang="en-US" dirty="0">
+                <a:solidFill>
+                  <a:srgbClr val="00B050"/>
+                </a:solidFill>
+              </a:rPr>
+              <a:t> </a:t>
+            </a:r>
+            <a:r>
+              <a:rPr lang="en-US" dirty="0" err="1">
+                <a:solidFill>
+                  <a:srgbClr val="00B050"/>
+                </a:solidFill>
+              </a:rPr>
+              <a:t>krn</a:t>
+            </a:r>
+            <a:r>
+              <a:rPr lang="en-US" dirty="0">
+                <a:solidFill>
+                  <a:srgbClr val="00B050"/>
+                </a:solidFill>
+              </a:rPr>
+              <a:t> </a:t>
+            </a:r>
+            <a:r>
+              <a:rPr lang="en-US" dirty="0" err="1">
+                <a:solidFill>
+                  <a:srgbClr val="00B050"/>
+                </a:solidFill>
+              </a:rPr>
+              <a:t>sertifikat</a:t>
+            </a:r>
+            <a:r>
+              <a:rPr lang="en-US" dirty="0">
+                <a:solidFill>
+                  <a:srgbClr val="00B050"/>
+                </a:solidFill>
+              </a:rPr>
+              <a:t> g </a:t>
+            </a:r>
+            <a:r>
+              <a:rPr lang="en-US" dirty="0" err="1">
+                <a:solidFill>
+                  <a:srgbClr val="00B050"/>
+                </a:solidFill>
+              </a:rPr>
+              <a:t>bs</a:t>
+            </a:r>
+            <a:r>
+              <a:rPr lang="en-US" dirty="0">
+                <a:solidFill>
+                  <a:srgbClr val="00B050"/>
+                </a:solidFill>
+              </a:rPr>
+              <a:t> </a:t>
+            </a:r>
+            <a:r>
+              <a:rPr lang="en-US" dirty="0" err="1">
+                <a:solidFill>
+                  <a:srgbClr val="00B050"/>
+                </a:solidFill>
+              </a:rPr>
+              <a:t>diprint</a:t>
+            </a:r>
+            <a:endParaRPr lang="en-US" dirty="0">
+              <a:solidFill>
+                <a:srgbClr val="00B050"/>
+              </a:solidFill>
+            </a:endParaRPr>
+          </a:p>
+          <a:p>
+            <a:r>
+              <a:rPr lang="en-US" dirty="0" err="1">
+                <a:solidFill>
+                  <a:srgbClr val="00B050"/>
+                </a:solidFill>
+              </a:rPr>
+              <a:t>Qrcode</a:t>
+            </a:r>
+            <a:r>
+              <a:rPr lang="en-US" dirty="0">
+                <a:solidFill>
+                  <a:srgbClr val="00B050"/>
+                </a:solidFill>
+              </a:rPr>
+              <a:t> pada template </a:t>
+            </a:r>
+            <a:r>
+              <a:rPr lang="en-US" dirty="0" err="1">
+                <a:solidFill>
+                  <a:srgbClr val="00B050"/>
+                </a:solidFill>
+              </a:rPr>
+              <a:t>sertifikat</a:t>
+            </a:r>
+            <a:r>
+              <a:rPr lang="en-US" dirty="0">
+                <a:solidFill>
+                  <a:srgbClr val="00B050"/>
+                </a:solidFill>
+              </a:rPr>
+              <a:t> (</a:t>
+            </a:r>
+            <a:r>
+              <a:rPr lang="en-US" dirty="0" err="1">
+                <a:solidFill>
+                  <a:srgbClr val="00B050"/>
+                </a:solidFill>
+              </a:rPr>
+              <a:t>terlampir</a:t>
+            </a:r>
+            <a:r>
+              <a:rPr lang="en-US" dirty="0">
+                <a:solidFill>
+                  <a:srgbClr val="00B050"/>
+                </a:solidFill>
+              </a:rPr>
+              <a:t> </a:t>
+            </a:r>
+            <a:r>
+              <a:rPr lang="en-US" dirty="0" err="1">
+                <a:solidFill>
+                  <a:srgbClr val="00B050"/>
+                </a:solidFill>
+              </a:rPr>
+              <a:t>contohnya</a:t>
+            </a:r>
+            <a:r>
+              <a:rPr lang="en-US" dirty="0">
+                <a:solidFill>
+                  <a:srgbClr val="00B050"/>
+                </a:solidFill>
+              </a:rPr>
+              <a:t>)</a:t>
+            </a:r>
+            <a:r>
               <a:rPr lang="en-US" dirty="0"/>
-              <a:t>Yang </a:t>
-            </a:r>
-            <a:r>
-              <a:rPr lang="en-US" dirty="0" err="1"/>
-              <a:t>membuat</a:t>
-            </a:r>
-            <a:r>
-              <a:rPr lang="en-US" dirty="0"/>
-              <a:t> </a:t>
-            </a:r>
-            <a:r>
-              <a:rPr lang="en-US" dirty="0" err="1"/>
-              <a:t>sertifikat</a:t>
-            </a:r>
-            <a:r>
-              <a:rPr lang="en-US" dirty="0"/>
-              <a:t> </a:t>
-            </a:r>
-            <a:r>
-              <a:rPr lang="en-US" dirty="0" err="1"/>
-              <a:t>adalah</a:t>
-            </a:r>
-            <a:r>
-              <a:rPr lang="en-US" dirty="0"/>
-              <a:t> admin </a:t>
-            </a:r>
-            <a:r>
-              <a:rPr lang="en-US" dirty="0" err="1"/>
-              <a:t>sphu</a:t>
-            </a:r>
-            <a:r>
-              <a:rPr lang="en-US" dirty="0"/>
-              <a:t> </a:t>
-            </a:r>
-            <a:r>
-              <a:rPr lang="en-US" dirty="0" err="1"/>
-              <a:t>setelah</a:t>
-            </a:r>
-            <a:r>
-              <a:rPr lang="en-US" dirty="0"/>
-              <a:t> mt08a, mt08b, </a:t>
-            </a:r>
-            <a:r>
-              <a:rPr lang="en-US" dirty="0" err="1"/>
-              <a:t>dan</a:t>
-            </a:r>
-            <a:r>
-              <a:rPr lang="en-US" dirty="0"/>
-              <a:t> </a:t>
-            </a:r>
-            <a:r>
-              <a:rPr lang="en-US" dirty="0" err="1"/>
-              <a:t>atau</a:t>
-            </a:r>
-            <a:r>
-              <a:rPr lang="en-US" dirty="0"/>
-              <a:t> mt09 </a:t>
-            </a:r>
-            <a:r>
-              <a:rPr lang="en-US" dirty="0" err="1"/>
-              <a:t>diapprove</a:t>
-            </a:r>
-            <a:endParaRPr lang="en-US" dirty="0"/>
-          </a:p>
-          <a:p>
-            <a:r>
-              <a:rPr lang="en-US" dirty="0"/>
-              <a:t>Ada </a:t>
-            </a:r>
-            <a:r>
-              <a:rPr lang="en-US" dirty="0" err="1"/>
-              <a:t>beberapa</a:t>
-            </a:r>
-            <a:r>
-              <a:rPr lang="en-US" dirty="0"/>
-              <a:t> field </a:t>
-            </a:r>
-            <a:r>
-              <a:rPr lang="en-US" dirty="0" err="1"/>
-              <a:t>yg</a:t>
-            </a:r>
-            <a:r>
-              <a:rPr lang="en-US" dirty="0"/>
-              <a:t> </a:t>
-            </a:r>
-            <a:r>
-              <a:rPr lang="en-US" dirty="0" err="1"/>
-              <a:t>salah</a:t>
-            </a:r>
-            <a:r>
-              <a:rPr lang="en-US" dirty="0"/>
-              <a:t> </a:t>
-            </a:r>
-            <a:r>
-              <a:rPr lang="en-US" dirty="0" err="1"/>
-              <a:t>pembacaannya</a:t>
-            </a:r>
-            <a:r>
-              <a:rPr lang="en-US" dirty="0"/>
-              <a:t> </a:t>
-            </a:r>
-            <a:r>
-              <a:rPr lang="en-US" dirty="0" err="1"/>
-              <a:t>pada</a:t>
-            </a:r>
-            <a:r>
-              <a:rPr lang="en-US" dirty="0"/>
-              <a:t> print </a:t>
-            </a:r>
-            <a:r>
-              <a:rPr lang="en-US" dirty="0" err="1"/>
-              <a:t>sertifikat</a:t>
-            </a:r>
-            <a:r>
-              <a:rPr lang="en-US" dirty="0"/>
-              <a:t> </a:t>
-            </a:r>
-            <a:r>
-              <a:rPr lang="en-US" dirty="0" err="1"/>
-              <a:t>sebelum</a:t>
-            </a:r>
-            <a:r>
-              <a:rPr lang="en-US" dirty="0"/>
-              <a:t> update </a:t>
-            </a:r>
-            <a:r>
-              <a:rPr lang="en-US" dirty="0" err="1"/>
-              <a:t>namun</a:t>
-            </a:r>
-            <a:r>
-              <a:rPr lang="en-US" dirty="0"/>
-              <a:t> g </a:t>
-            </a:r>
-            <a:r>
-              <a:rPr lang="en-US" dirty="0" err="1"/>
-              <a:t>bisa</a:t>
-            </a:r>
-            <a:r>
-              <a:rPr lang="en-US" dirty="0"/>
-              <a:t> </a:t>
-            </a:r>
-            <a:r>
-              <a:rPr lang="en-US" dirty="0" err="1"/>
-              <a:t>dilihat</a:t>
-            </a:r>
-            <a:r>
-              <a:rPr lang="en-US" dirty="0"/>
-              <a:t> </a:t>
-            </a:r>
-            <a:r>
-              <a:rPr lang="en-US" dirty="0" err="1"/>
-              <a:t>sudah</a:t>
-            </a:r>
-            <a:r>
-              <a:rPr lang="en-US" dirty="0"/>
-              <a:t> </a:t>
-            </a:r>
-            <a:r>
-              <a:rPr lang="en-US" dirty="0" err="1"/>
-              <a:t>benar</a:t>
-            </a:r>
-            <a:r>
-              <a:rPr lang="en-US" dirty="0"/>
-              <a:t> </a:t>
-            </a:r>
-            <a:r>
-              <a:rPr lang="en-US" dirty="0" err="1"/>
-              <a:t>atau</a:t>
-            </a:r>
-            <a:r>
-              <a:rPr lang="en-US" dirty="0"/>
-              <a:t> </a:t>
-            </a:r>
-            <a:r>
-              <a:rPr lang="en-US" dirty="0" err="1"/>
-              <a:t>belum</a:t>
-            </a:r>
-            <a:r>
-              <a:rPr lang="en-US" dirty="0"/>
-              <a:t> </a:t>
-            </a:r>
-            <a:r>
-              <a:rPr lang="en-US" dirty="0" err="1"/>
-              <a:t>krn</a:t>
-            </a:r>
-            <a:r>
-              <a:rPr lang="en-US" dirty="0"/>
-              <a:t> </a:t>
-            </a:r>
-            <a:r>
-              <a:rPr lang="en-US" dirty="0" err="1"/>
-              <a:t>sertifikat</a:t>
-            </a:r>
-            <a:r>
-              <a:rPr lang="en-US" dirty="0"/>
-              <a:t> g </a:t>
-            </a:r>
-            <a:r>
-              <a:rPr lang="en-US" dirty="0" err="1"/>
-              <a:t>bs</a:t>
-            </a:r>
-            <a:r>
-              <a:rPr lang="en-US" dirty="0"/>
-              <a:t> </a:t>
-            </a:r>
-            <a:r>
-              <a:rPr lang="en-US" dirty="0" err="1"/>
-              <a:t>diprint</a:t>
-            </a:r>
-            <a:endParaRPr lang="en-US" dirty="0"/>
-          </a:p>
-          <a:p>
-            <a:r>
-              <a:rPr lang="en-US" dirty="0" err="1"/>
-              <a:t>Qrcode</a:t>
-            </a:r>
-            <a:r>
-              <a:rPr lang="en-US" dirty="0"/>
-              <a:t> </a:t>
-            </a:r>
-            <a:r>
-              <a:rPr lang="en-US" dirty="0" err="1"/>
-              <a:t>pada</a:t>
-            </a:r>
-            <a:r>
-              <a:rPr lang="en-US" dirty="0"/>
-              <a:t> template </a:t>
-            </a:r>
-            <a:r>
-              <a:rPr lang="en-US" dirty="0" err="1"/>
-              <a:t>sertifikat</a:t>
-            </a:r>
-            <a:r>
-              <a:rPr lang="en-US" dirty="0"/>
-              <a:t> (</a:t>
-            </a:r>
-            <a:r>
-              <a:rPr lang="en-US" dirty="0" err="1"/>
-              <a:t>terlampir</a:t>
-            </a:r>
-            <a:r>
-              <a:rPr lang="en-US" dirty="0"/>
-              <a:t> </a:t>
-            </a:r>
-            <a:r>
-              <a:rPr lang="en-US" dirty="0" err="1"/>
-              <a:t>contohnya</a:t>
-            </a:r>
-            <a:r>
-              <a:rPr lang="en-US" dirty="0"/>
+              <a:t> </a:t>
+            </a:r>
+            <a:r>
+              <a:rPr lang="en-US" dirty="0">
+                <a:solidFill>
+                  <a:srgbClr val="00B0F0"/>
+                </a:solidFill>
+              </a:rPr>
+              <a:t>( enable editing agar </a:t>
+            </a:r>
+            <a:r>
+              <a:rPr lang="en-US" dirty="0" err="1">
+                <a:solidFill>
+                  <a:srgbClr val="00B0F0"/>
+                </a:solidFill>
+              </a:rPr>
+              <a:t>qrcode</a:t>
+            </a:r>
+            <a:r>
+              <a:rPr lang="en-US" dirty="0">
+                <a:solidFill>
+                  <a:srgbClr val="00B0F0"/>
+                </a:solidFill>
+              </a:rPr>
+              <a:t> </a:t>
+            </a:r>
+            <a:r>
+              <a:rPr lang="en-US" dirty="0" err="1">
+                <a:solidFill>
+                  <a:srgbClr val="00B0F0"/>
+                </a:solidFill>
+              </a:rPr>
+              <a:t>muncul</a:t>
+            </a:r>
+            <a:r>
+              <a:rPr lang="en-US" dirty="0">
+                <a:solidFill>
+                  <a:srgbClr val="00B0F0"/>
+                </a:solidFill>
+              </a:rPr>
               <a:t>)</a:t>
             </a:r>
           </a:p>
